--- a/ppt 16-9/0285.主日为圣.pptx
+++ b/ppt 16-9/0285.主日为圣.pptx
@@ -129,7 +129,7 @@
           <p:cNvPr id="2" name="标题 1">
             <a:extLst>
               <a:ext uri="{FF2B5EF4-FFF2-40B4-BE49-F238E27FC236}">
-                <a16:creationId xmlns:a16="http://schemas.microsoft.com/office/drawing/2014/main" id="{B97B4043-DEB0-2137-B746-66492BAD6320}"/>
+                <a16:creationId xmlns:a16="http://schemas.microsoft.com/office/drawing/2014/main" id="{93A90318-39A8-B77E-3C2E-BF7A7D02C660}"/>
               </a:ext>
             </a:extLst>
           </p:cNvPr>
@@ -166,7 +166,7 @@
           <p:cNvPr id="3" name="副标题 2">
             <a:extLst>
               <a:ext uri="{FF2B5EF4-FFF2-40B4-BE49-F238E27FC236}">
-                <a16:creationId xmlns:a16="http://schemas.microsoft.com/office/drawing/2014/main" id="{2A591E83-9901-EFD4-5878-B26A6423EA5E}"/>
+                <a16:creationId xmlns:a16="http://schemas.microsoft.com/office/drawing/2014/main" id="{47D8536A-B9FE-6AD5-0CA6-5B97093D997E}"/>
               </a:ext>
             </a:extLst>
           </p:cNvPr>
@@ -236,7 +236,7 @@
           <p:cNvPr id="4" name="日期占位符 3">
             <a:extLst>
               <a:ext uri="{FF2B5EF4-FFF2-40B4-BE49-F238E27FC236}">
-                <a16:creationId xmlns:a16="http://schemas.microsoft.com/office/drawing/2014/main" id="{8C2FC989-9EC2-DAA3-B4B9-39452AFB8400}"/>
+                <a16:creationId xmlns:a16="http://schemas.microsoft.com/office/drawing/2014/main" id="{3E62E4C1-C9D3-54DE-6042-E8F610276D96}"/>
               </a:ext>
             </a:extLst>
           </p:cNvPr>
@@ -252,7 +252,7 @@
           <a:bodyPr/>
           <a:lstStyle/>
           <a:p>
-            <a:fld id="{EF4D6079-1375-4622-8558-7F53CFF76031}" type="datetimeFigureOut">
+            <a:fld id="{F60558BA-E49D-4883-8FD0-81B6417E672D}" type="datetimeFigureOut">
               <a:rPr lang="zh-CN" altLang="en-US" smtClean="0"/>
               <a:t>2024/3/10</a:t>
             </a:fld>
@@ -265,7 +265,7 @@
           <p:cNvPr id="5" name="页脚占位符 4">
             <a:extLst>
               <a:ext uri="{FF2B5EF4-FFF2-40B4-BE49-F238E27FC236}">
-                <a16:creationId xmlns:a16="http://schemas.microsoft.com/office/drawing/2014/main" id="{C62546DA-6F26-61EC-0145-3A400D56E791}"/>
+                <a16:creationId xmlns:a16="http://schemas.microsoft.com/office/drawing/2014/main" id="{8DE6AD8B-8062-0984-4B95-35D7BFF639A3}"/>
               </a:ext>
             </a:extLst>
           </p:cNvPr>
@@ -290,7 +290,7 @@
           <p:cNvPr id="6" name="灯片编号占位符 5">
             <a:extLst>
               <a:ext uri="{FF2B5EF4-FFF2-40B4-BE49-F238E27FC236}">
-                <a16:creationId xmlns:a16="http://schemas.microsoft.com/office/drawing/2014/main" id="{36CC61E0-00D4-57BE-52F1-011E6AB6A7C5}"/>
+                <a16:creationId xmlns:a16="http://schemas.microsoft.com/office/drawing/2014/main" id="{0FDA2D13-0B96-C344-26E4-EA3B1AB694BD}"/>
               </a:ext>
             </a:extLst>
           </p:cNvPr>
@@ -306,7 +306,7 @@
           <a:bodyPr/>
           <a:lstStyle/>
           <a:p>
-            <a:fld id="{1A7B6229-C610-46A4-A088-EC96C71EE412}" type="slidenum">
+            <a:fld id="{487BAAC9-EC15-40AB-9419-55660F8AC2BE}" type="slidenum">
               <a:rPr lang="zh-CN" altLang="en-US" smtClean="0"/>
               <a:t>‹#›</a:t>
             </a:fld>
@@ -317,7 +317,7 @@
     </p:spTree>
     <p:extLst>
       <p:ext uri="{BB962C8B-B14F-4D97-AF65-F5344CB8AC3E}">
-        <p14:creationId xmlns:p14="http://schemas.microsoft.com/office/powerpoint/2010/main" val="604815121"/>
+        <p14:creationId xmlns:p14="http://schemas.microsoft.com/office/powerpoint/2010/main" val="1593014521"/>
       </p:ext>
     </p:extLst>
   </p:cSld>
@@ -349,7 +349,7 @@
           <p:cNvPr id="2" name="标题 1">
             <a:extLst>
               <a:ext uri="{FF2B5EF4-FFF2-40B4-BE49-F238E27FC236}">
-                <a16:creationId xmlns:a16="http://schemas.microsoft.com/office/drawing/2014/main" id="{A6CD3A6A-BCAF-CEFC-7E47-EDE751FB38B2}"/>
+                <a16:creationId xmlns:a16="http://schemas.microsoft.com/office/drawing/2014/main" id="{638E0B8E-F7BA-6EC9-1354-B1334342B3F0}"/>
               </a:ext>
             </a:extLst>
           </p:cNvPr>
@@ -377,7 +377,7 @@
           <p:cNvPr id="3" name="竖排文字占位符 2">
             <a:extLst>
               <a:ext uri="{FF2B5EF4-FFF2-40B4-BE49-F238E27FC236}">
-                <a16:creationId xmlns:a16="http://schemas.microsoft.com/office/drawing/2014/main" id="{D84D40A3-FDCE-AE93-1828-3B5132BD364E}"/>
+                <a16:creationId xmlns:a16="http://schemas.microsoft.com/office/drawing/2014/main" id="{35C00A0E-4DC6-FC1A-A100-70F881E06E51}"/>
               </a:ext>
             </a:extLst>
           </p:cNvPr>
@@ -434,7 +434,7 @@
           <p:cNvPr id="4" name="日期占位符 3">
             <a:extLst>
               <a:ext uri="{FF2B5EF4-FFF2-40B4-BE49-F238E27FC236}">
-                <a16:creationId xmlns:a16="http://schemas.microsoft.com/office/drawing/2014/main" id="{7BA047CC-FD4E-C897-40BE-071077415A3F}"/>
+                <a16:creationId xmlns:a16="http://schemas.microsoft.com/office/drawing/2014/main" id="{832284C9-E2E9-5B98-350B-5E6E0087B73A}"/>
               </a:ext>
             </a:extLst>
           </p:cNvPr>
@@ -450,7 +450,7 @@
           <a:bodyPr/>
           <a:lstStyle/>
           <a:p>
-            <a:fld id="{EF4D6079-1375-4622-8558-7F53CFF76031}" type="datetimeFigureOut">
+            <a:fld id="{F60558BA-E49D-4883-8FD0-81B6417E672D}" type="datetimeFigureOut">
               <a:rPr lang="zh-CN" altLang="en-US" smtClean="0"/>
               <a:t>2024/3/10</a:t>
             </a:fld>
@@ -463,7 +463,7 @@
           <p:cNvPr id="5" name="页脚占位符 4">
             <a:extLst>
               <a:ext uri="{FF2B5EF4-FFF2-40B4-BE49-F238E27FC236}">
-                <a16:creationId xmlns:a16="http://schemas.microsoft.com/office/drawing/2014/main" id="{DB165BA6-6293-A830-2DD5-974002EDA936}"/>
+                <a16:creationId xmlns:a16="http://schemas.microsoft.com/office/drawing/2014/main" id="{ED3D047A-CA80-867D-0F6A-B75E2F84E5C1}"/>
               </a:ext>
             </a:extLst>
           </p:cNvPr>
@@ -488,7 +488,7 @@
           <p:cNvPr id="6" name="灯片编号占位符 5">
             <a:extLst>
               <a:ext uri="{FF2B5EF4-FFF2-40B4-BE49-F238E27FC236}">
-                <a16:creationId xmlns:a16="http://schemas.microsoft.com/office/drawing/2014/main" id="{ED7FC6A5-26AF-412C-412B-B544E82FE3BB}"/>
+                <a16:creationId xmlns:a16="http://schemas.microsoft.com/office/drawing/2014/main" id="{97E8746D-9CAF-B9D2-C4D5-5A48BB078F60}"/>
               </a:ext>
             </a:extLst>
           </p:cNvPr>
@@ -504,7 +504,7 @@
           <a:bodyPr/>
           <a:lstStyle/>
           <a:p>
-            <a:fld id="{1A7B6229-C610-46A4-A088-EC96C71EE412}" type="slidenum">
+            <a:fld id="{487BAAC9-EC15-40AB-9419-55660F8AC2BE}" type="slidenum">
               <a:rPr lang="zh-CN" altLang="en-US" smtClean="0"/>
               <a:t>‹#›</a:t>
             </a:fld>
@@ -515,7 +515,7 @@
     </p:spTree>
     <p:extLst>
       <p:ext uri="{BB962C8B-B14F-4D97-AF65-F5344CB8AC3E}">
-        <p14:creationId xmlns:p14="http://schemas.microsoft.com/office/powerpoint/2010/main" val="1452193959"/>
+        <p14:creationId xmlns:p14="http://schemas.microsoft.com/office/powerpoint/2010/main" val="1698061839"/>
       </p:ext>
     </p:extLst>
   </p:cSld>
@@ -547,7 +547,7 @@
           <p:cNvPr id="2" name="竖排标题 1">
             <a:extLst>
               <a:ext uri="{FF2B5EF4-FFF2-40B4-BE49-F238E27FC236}">
-                <a16:creationId xmlns:a16="http://schemas.microsoft.com/office/drawing/2014/main" id="{AD48A0B9-5333-4A36-A516-61CF89145415}"/>
+                <a16:creationId xmlns:a16="http://schemas.microsoft.com/office/drawing/2014/main" id="{E08E94EC-8F47-14DC-FBEC-6BCB470A68B7}"/>
               </a:ext>
             </a:extLst>
           </p:cNvPr>
@@ -580,7 +580,7 @@
           <p:cNvPr id="3" name="竖排文字占位符 2">
             <a:extLst>
               <a:ext uri="{FF2B5EF4-FFF2-40B4-BE49-F238E27FC236}">
-                <a16:creationId xmlns:a16="http://schemas.microsoft.com/office/drawing/2014/main" id="{2848631D-0BFC-721B-3425-7EA75895B0F3}"/>
+                <a16:creationId xmlns:a16="http://schemas.microsoft.com/office/drawing/2014/main" id="{2E7051D4-21E7-55CC-FBD9-FFB1B68C0406}"/>
               </a:ext>
             </a:extLst>
           </p:cNvPr>
@@ -642,7 +642,7 @@
           <p:cNvPr id="4" name="日期占位符 3">
             <a:extLst>
               <a:ext uri="{FF2B5EF4-FFF2-40B4-BE49-F238E27FC236}">
-                <a16:creationId xmlns:a16="http://schemas.microsoft.com/office/drawing/2014/main" id="{B6A36842-BCFA-4177-6171-9AF803703EDC}"/>
+                <a16:creationId xmlns:a16="http://schemas.microsoft.com/office/drawing/2014/main" id="{59A41C13-6F6E-66F9-FEE1-A91337A3B4E5}"/>
               </a:ext>
             </a:extLst>
           </p:cNvPr>
@@ -658,7 +658,7 @@
           <a:bodyPr/>
           <a:lstStyle/>
           <a:p>
-            <a:fld id="{EF4D6079-1375-4622-8558-7F53CFF76031}" type="datetimeFigureOut">
+            <a:fld id="{F60558BA-E49D-4883-8FD0-81B6417E672D}" type="datetimeFigureOut">
               <a:rPr lang="zh-CN" altLang="en-US" smtClean="0"/>
               <a:t>2024/3/10</a:t>
             </a:fld>
@@ -671,7 +671,7 @@
           <p:cNvPr id="5" name="页脚占位符 4">
             <a:extLst>
               <a:ext uri="{FF2B5EF4-FFF2-40B4-BE49-F238E27FC236}">
-                <a16:creationId xmlns:a16="http://schemas.microsoft.com/office/drawing/2014/main" id="{C1FA38E4-1B39-AB06-8A98-41CB7CDEF1A2}"/>
+                <a16:creationId xmlns:a16="http://schemas.microsoft.com/office/drawing/2014/main" id="{FC7C87E7-0D6F-E3C8-43D0-9B7F1666F257}"/>
               </a:ext>
             </a:extLst>
           </p:cNvPr>
@@ -696,7 +696,7 @@
           <p:cNvPr id="6" name="灯片编号占位符 5">
             <a:extLst>
               <a:ext uri="{FF2B5EF4-FFF2-40B4-BE49-F238E27FC236}">
-                <a16:creationId xmlns:a16="http://schemas.microsoft.com/office/drawing/2014/main" id="{75F6214C-D954-D890-D901-44DD57DAB280}"/>
+                <a16:creationId xmlns:a16="http://schemas.microsoft.com/office/drawing/2014/main" id="{6DC9684F-923B-F3E2-3FE7-DD7B84D6121B}"/>
               </a:ext>
             </a:extLst>
           </p:cNvPr>
@@ -712,7 +712,7 @@
           <a:bodyPr/>
           <a:lstStyle/>
           <a:p>
-            <a:fld id="{1A7B6229-C610-46A4-A088-EC96C71EE412}" type="slidenum">
+            <a:fld id="{487BAAC9-EC15-40AB-9419-55660F8AC2BE}" type="slidenum">
               <a:rPr lang="zh-CN" altLang="en-US" smtClean="0"/>
               <a:t>‹#›</a:t>
             </a:fld>
@@ -723,7 +723,7 @@
     </p:spTree>
     <p:extLst>
       <p:ext uri="{BB962C8B-B14F-4D97-AF65-F5344CB8AC3E}">
-        <p14:creationId xmlns:p14="http://schemas.microsoft.com/office/powerpoint/2010/main" val="3501943413"/>
+        <p14:creationId xmlns:p14="http://schemas.microsoft.com/office/powerpoint/2010/main" val="3387712085"/>
       </p:ext>
     </p:extLst>
   </p:cSld>
@@ -755,7 +755,7 @@
           <p:cNvPr id="2" name="标题 1">
             <a:extLst>
               <a:ext uri="{FF2B5EF4-FFF2-40B4-BE49-F238E27FC236}">
-                <a16:creationId xmlns:a16="http://schemas.microsoft.com/office/drawing/2014/main" id="{82F095F5-9A1B-6953-966E-1964A933EAAD}"/>
+                <a16:creationId xmlns:a16="http://schemas.microsoft.com/office/drawing/2014/main" id="{B19B8D98-D992-4EA7-FC57-6D254E53B4A3}"/>
               </a:ext>
             </a:extLst>
           </p:cNvPr>
@@ -783,7 +783,7 @@
           <p:cNvPr id="3" name="内容占位符 2">
             <a:extLst>
               <a:ext uri="{FF2B5EF4-FFF2-40B4-BE49-F238E27FC236}">
-                <a16:creationId xmlns:a16="http://schemas.microsoft.com/office/drawing/2014/main" id="{9F6C7CCD-B50E-8987-3587-42217F0EE940}"/>
+                <a16:creationId xmlns:a16="http://schemas.microsoft.com/office/drawing/2014/main" id="{04052FFE-B7A4-CFEF-19AA-C0596C4FF3DD}"/>
               </a:ext>
             </a:extLst>
           </p:cNvPr>
@@ -840,7 +840,7 @@
           <p:cNvPr id="4" name="日期占位符 3">
             <a:extLst>
               <a:ext uri="{FF2B5EF4-FFF2-40B4-BE49-F238E27FC236}">
-                <a16:creationId xmlns:a16="http://schemas.microsoft.com/office/drawing/2014/main" id="{D99E10A2-ECDA-A953-9BD1-B3098E25E0D7}"/>
+                <a16:creationId xmlns:a16="http://schemas.microsoft.com/office/drawing/2014/main" id="{3596A8EB-3D1F-8DCA-FCFB-31FBDBAE1322}"/>
               </a:ext>
             </a:extLst>
           </p:cNvPr>
@@ -856,7 +856,7 @@
           <a:bodyPr/>
           <a:lstStyle/>
           <a:p>
-            <a:fld id="{EF4D6079-1375-4622-8558-7F53CFF76031}" type="datetimeFigureOut">
+            <a:fld id="{F60558BA-E49D-4883-8FD0-81B6417E672D}" type="datetimeFigureOut">
               <a:rPr lang="zh-CN" altLang="en-US" smtClean="0"/>
               <a:t>2024/3/10</a:t>
             </a:fld>
@@ -869,7 +869,7 @@
           <p:cNvPr id="5" name="页脚占位符 4">
             <a:extLst>
               <a:ext uri="{FF2B5EF4-FFF2-40B4-BE49-F238E27FC236}">
-                <a16:creationId xmlns:a16="http://schemas.microsoft.com/office/drawing/2014/main" id="{1E9E54F2-EB13-72FE-7F7F-1C097A43A6DA}"/>
+                <a16:creationId xmlns:a16="http://schemas.microsoft.com/office/drawing/2014/main" id="{BD99910B-1143-174C-1640-8FF15CA9D43A}"/>
               </a:ext>
             </a:extLst>
           </p:cNvPr>
@@ -894,7 +894,7 @@
           <p:cNvPr id="6" name="灯片编号占位符 5">
             <a:extLst>
               <a:ext uri="{FF2B5EF4-FFF2-40B4-BE49-F238E27FC236}">
-                <a16:creationId xmlns:a16="http://schemas.microsoft.com/office/drawing/2014/main" id="{3BEDCA56-BDE1-A5D1-2CFC-E5A7EA412720}"/>
+                <a16:creationId xmlns:a16="http://schemas.microsoft.com/office/drawing/2014/main" id="{A05DC1EE-5BDD-3A32-49CE-7B2216397660}"/>
               </a:ext>
             </a:extLst>
           </p:cNvPr>
@@ -910,7 +910,7 @@
           <a:bodyPr/>
           <a:lstStyle/>
           <a:p>
-            <a:fld id="{1A7B6229-C610-46A4-A088-EC96C71EE412}" type="slidenum">
+            <a:fld id="{487BAAC9-EC15-40AB-9419-55660F8AC2BE}" type="slidenum">
               <a:rPr lang="zh-CN" altLang="en-US" smtClean="0"/>
               <a:t>‹#›</a:t>
             </a:fld>
@@ -921,7 +921,7 @@
     </p:spTree>
     <p:extLst>
       <p:ext uri="{BB962C8B-B14F-4D97-AF65-F5344CB8AC3E}">
-        <p14:creationId xmlns:p14="http://schemas.microsoft.com/office/powerpoint/2010/main" val="1590655953"/>
+        <p14:creationId xmlns:p14="http://schemas.microsoft.com/office/powerpoint/2010/main" val="3749108873"/>
       </p:ext>
     </p:extLst>
   </p:cSld>
@@ -953,7 +953,7 @@
           <p:cNvPr id="2" name="标题 1">
             <a:extLst>
               <a:ext uri="{FF2B5EF4-FFF2-40B4-BE49-F238E27FC236}">
-                <a16:creationId xmlns:a16="http://schemas.microsoft.com/office/drawing/2014/main" id="{13E48F08-2F66-2F40-FA47-02E449083F9E}"/>
+                <a16:creationId xmlns:a16="http://schemas.microsoft.com/office/drawing/2014/main" id="{218D4386-CE67-EBE5-9179-468CF3DFF19C}"/>
               </a:ext>
             </a:extLst>
           </p:cNvPr>
@@ -990,7 +990,7 @@
           <p:cNvPr id="3" name="文本占位符 2">
             <a:extLst>
               <a:ext uri="{FF2B5EF4-FFF2-40B4-BE49-F238E27FC236}">
-                <a16:creationId xmlns:a16="http://schemas.microsoft.com/office/drawing/2014/main" id="{11AD0826-30B0-F296-97CD-229F603B57D8}"/>
+                <a16:creationId xmlns:a16="http://schemas.microsoft.com/office/drawing/2014/main" id="{74048D1D-8453-9AD6-0220-888DA7CEA254}"/>
               </a:ext>
             </a:extLst>
           </p:cNvPr>
@@ -1115,7 +1115,7 @@
           <p:cNvPr id="4" name="日期占位符 3">
             <a:extLst>
               <a:ext uri="{FF2B5EF4-FFF2-40B4-BE49-F238E27FC236}">
-                <a16:creationId xmlns:a16="http://schemas.microsoft.com/office/drawing/2014/main" id="{BE596D24-2FD2-94F2-0ACC-FFA9AC2545DF}"/>
+                <a16:creationId xmlns:a16="http://schemas.microsoft.com/office/drawing/2014/main" id="{9B93D39B-C446-2C43-6CEC-58BF04DC48C6}"/>
               </a:ext>
             </a:extLst>
           </p:cNvPr>
@@ -1131,7 +1131,7 @@
           <a:bodyPr/>
           <a:lstStyle/>
           <a:p>
-            <a:fld id="{EF4D6079-1375-4622-8558-7F53CFF76031}" type="datetimeFigureOut">
+            <a:fld id="{F60558BA-E49D-4883-8FD0-81B6417E672D}" type="datetimeFigureOut">
               <a:rPr lang="zh-CN" altLang="en-US" smtClean="0"/>
               <a:t>2024/3/10</a:t>
             </a:fld>
@@ -1144,7 +1144,7 @@
           <p:cNvPr id="5" name="页脚占位符 4">
             <a:extLst>
               <a:ext uri="{FF2B5EF4-FFF2-40B4-BE49-F238E27FC236}">
-                <a16:creationId xmlns:a16="http://schemas.microsoft.com/office/drawing/2014/main" id="{C8FFBBB9-A5BF-204F-3A8D-9ED4A55A6798}"/>
+                <a16:creationId xmlns:a16="http://schemas.microsoft.com/office/drawing/2014/main" id="{EE56058C-EF83-04B0-5660-B8AB60BFF2C0}"/>
               </a:ext>
             </a:extLst>
           </p:cNvPr>
@@ -1169,7 +1169,7 @@
           <p:cNvPr id="6" name="灯片编号占位符 5">
             <a:extLst>
               <a:ext uri="{FF2B5EF4-FFF2-40B4-BE49-F238E27FC236}">
-                <a16:creationId xmlns:a16="http://schemas.microsoft.com/office/drawing/2014/main" id="{9F22949E-46FA-C7F5-BE9F-298A1097C879}"/>
+                <a16:creationId xmlns:a16="http://schemas.microsoft.com/office/drawing/2014/main" id="{14AA50C5-31BB-7DE9-129D-C9E04181F7CE}"/>
               </a:ext>
             </a:extLst>
           </p:cNvPr>
@@ -1185,7 +1185,7 @@
           <a:bodyPr/>
           <a:lstStyle/>
           <a:p>
-            <a:fld id="{1A7B6229-C610-46A4-A088-EC96C71EE412}" type="slidenum">
+            <a:fld id="{487BAAC9-EC15-40AB-9419-55660F8AC2BE}" type="slidenum">
               <a:rPr lang="zh-CN" altLang="en-US" smtClean="0"/>
               <a:t>‹#›</a:t>
             </a:fld>
@@ -1196,7 +1196,7 @@
     </p:spTree>
     <p:extLst>
       <p:ext uri="{BB962C8B-B14F-4D97-AF65-F5344CB8AC3E}">
-        <p14:creationId xmlns:p14="http://schemas.microsoft.com/office/powerpoint/2010/main" val="1556034217"/>
+        <p14:creationId xmlns:p14="http://schemas.microsoft.com/office/powerpoint/2010/main" val="1253129094"/>
       </p:ext>
     </p:extLst>
   </p:cSld>
@@ -1228,7 +1228,7 @@
           <p:cNvPr id="2" name="标题 1">
             <a:extLst>
               <a:ext uri="{FF2B5EF4-FFF2-40B4-BE49-F238E27FC236}">
-                <a16:creationId xmlns:a16="http://schemas.microsoft.com/office/drawing/2014/main" id="{0489E9BD-B148-B057-5EC1-EF821565045A}"/>
+                <a16:creationId xmlns:a16="http://schemas.microsoft.com/office/drawing/2014/main" id="{DE0197EA-783E-4820-4B85-DD3FDD4E8BFA}"/>
               </a:ext>
             </a:extLst>
           </p:cNvPr>
@@ -1256,7 +1256,7 @@
           <p:cNvPr id="3" name="内容占位符 2">
             <a:extLst>
               <a:ext uri="{FF2B5EF4-FFF2-40B4-BE49-F238E27FC236}">
-                <a16:creationId xmlns:a16="http://schemas.microsoft.com/office/drawing/2014/main" id="{CC868BBA-27BF-AAD4-E733-C83BAC24DADF}"/>
+                <a16:creationId xmlns:a16="http://schemas.microsoft.com/office/drawing/2014/main" id="{EA8A941F-CB43-5227-DB19-06107D3A8277}"/>
               </a:ext>
             </a:extLst>
           </p:cNvPr>
@@ -1318,7 +1318,7 @@
           <p:cNvPr id="4" name="内容占位符 3">
             <a:extLst>
               <a:ext uri="{FF2B5EF4-FFF2-40B4-BE49-F238E27FC236}">
-                <a16:creationId xmlns:a16="http://schemas.microsoft.com/office/drawing/2014/main" id="{97A72D39-5BC9-0AD8-B573-96F7C09A9908}"/>
+                <a16:creationId xmlns:a16="http://schemas.microsoft.com/office/drawing/2014/main" id="{1D999226-20D5-6AD9-6EEB-FF8AFC770F73}"/>
               </a:ext>
             </a:extLst>
           </p:cNvPr>
@@ -1380,7 +1380,7 @@
           <p:cNvPr id="5" name="日期占位符 4">
             <a:extLst>
               <a:ext uri="{FF2B5EF4-FFF2-40B4-BE49-F238E27FC236}">
-                <a16:creationId xmlns:a16="http://schemas.microsoft.com/office/drawing/2014/main" id="{4F3F39AC-A8F6-334F-5554-E8F4A84362B6}"/>
+                <a16:creationId xmlns:a16="http://schemas.microsoft.com/office/drawing/2014/main" id="{B1016AF5-A5AF-3DF7-ECBF-655155712606}"/>
               </a:ext>
             </a:extLst>
           </p:cNvPr>
@@ -1396,7 +1396,7 @@
           <a:bodyPr/>
           <a:lstStyle/>
           <a:p>
-            <a:fld id="{EF4D6079-1375-4622-8558-7F53CFF76031}" type="datetimeFigureOut">
+            <a:fld id="{F60558BA-E49D-4883-8FD0-81B6417E672D}" type="datetimeFigureOut">
               <a:rPr lang="zh-CN" altLang="en-US" smtClean="0"/>
               <a:t>2024/3/10</a:t>
             </a:fld>
@@ -1409,7 +1409,7 @@
           <p:cNvPr id="6" name="页脚占位符 5">
             <a:extLst>
               <a:ext uri="{FF2B5EF4-FFF2-40B4-BE49-F238E27FC236}">
-                <a16:creationId xmlns:a16="http://schemas.microsoft.com/office/drawing/2014/main" id="{DDCE31A9-7577-E086-177F-CBD2BB04B99E}"/>
+                <a16:creationId xmlns:a16="http://schemas.microsoft.com/office/drawing/2014/main" id="{E260228D-9DDD-4EED-F960-5A4A6606F73B}"/>
               </a:ext>
             </a:extLst>
           </p:cNvPr>
@@ -1434,7 +1434,7 @@
           <p:cNvPr id="7" name="灯片编号占位符 6">
             <a:extLst>
               <a:ext uri="{FF2B5EF4-FFF2-40B4-BE49-F238E27FC236}">
-                <a16:creationId xmlns:a16="http://schemas.microsoft.com/office/drawing/2014/main" id="{A8F5945C-EA9E-34EE-17E7-A02B0F6E29F8}"/>
+                <a16:creationId xmlns:a16="http://schemas.microsoft.com/office/drawing/2014/main" id="{6198483D-9A51-0C19-B919-BA3B469D6E34}"/>
               </a:ext>
             </a:extLst>
           </p:cNvPr>
@@ -1450,7 +1450,7 @@
           <a:bodyPr/>
           <a:lstStyle/>
           <a:p>
-            <a:fld id="{1A7B6229-C610-46A4-A088-EC96C71EE412}" type="slidenum">
+            <a:fld id="{487BAAC9-EC15-40AB-9419-55660F8AC2BE}" type="slidenum">
               <a:rPr lang="zh-CN" altLang="en-US" smtClean="0"/>
               <a:t>‹#›</a:t>
             </a:fld>
@@ -1461,7 +1461,7 @@
     </p:spTree>
     <p:extLst>
       <p:ext uri="{BB962C8B-B14F-4D97-AF65-F5344CB8AC3E}">
-        <p14:creationId xmlns:p14="http://schemas.microsoft.com/office/powerpoint/2010/main" val="1602388263"/>
+        <p14:creationId xmlns:p14="http://schemas.microsoft.com/office/powerpoint/2010/main" val="978745172"/>
       </p:ext>
     </p:extLst>
   </p:cSld>
@@ -1493,7 +1493,7 @@
           <p:cNvPr id="2" name="标题 1">
             <a:extLst>
               <a:ext uri="{FF2B5EF4-FFF2-40B4-BE49-F238E27FC236}">
-                <a16:creationId xmlns:a16="http://schemas.microsoft.com/office/drawing/2014/main" id="{5892AF19-9E6F-6280-D0F5-BB745789F3F7}"/>
+                <a16:creationId xmlns:a16="http://schemas.microsoft.com/office/drawing/2014/main" id="{B3CFD87D-1D97-0619-499D-CC09BBF2DC00}"/>
               </a:ext>
             </a:extLst>
           </p:cNvPr>
@@ -1526,7 +1526,7 @@
           <p:cNvPr id="3" name="文本占位符 2">
             <a:extLst>
               <a:ext uri="{FF2B5EF4-FFF2-40B4-BE49-F238E27FC236}">
-                <a16:creationId xmlns:a16="http://schemas.microsoft.com/office/drawing/2014/main" id="{EEC47192-16C9-E711-BADE-D6FE1B96D575}"/>
+                <a16:creationId xmlns:a16="http://schemas.microsoft.com/office/drawing/2014/main" id="{7A56546B-B877-DB3C-DCA3-E7FCC7BAC8D5}"/>
               </a:ext>
             </a:extLst>
           </p:cNvPr>
@@ -1597,7 +1597,7 @@
           <p:cNvPr id="4" name="内容占位符 3">
             <a:extLst>
               <a:ext uri="{FF2B5EF4-FFF2-40B4-BE49-F238E27FC236}">
-                <a16:creationId xmlns:a16="http://schemas.microsoft.com/office/drawing/2014/main" id="{A5552A0F-3C34-52ED-3891-7DAA6D21FD9E}"/>
+                <a16:creationId xmlns:a16="http://schemas.microsoft.com/office/drawing/2014/main" id="{0E59FDC6-56FF-9C60-12F5-CC94FE6FA4EC}"/>
               </a:ext>
             </a:extLst>
           </p:cNvPr>
@@ -1659,7 +1659,7 @@
           <p:cNvPr id="5" name="文本占位符 4">
             <a:extLst>
               <a:ext uri="{FF2B5EF4-FFF2-40B4-BE49-F238E27FC236}">
-                <a16:creationId xmlns:a16="http://schemas.microsoft.com/office/drawing/2014/main" id="{80D7C581-E83E-8B48-57E1-A1C85CDC6B90}"/>
+                <a16:creationId xmlns:a16="http://schemas.microsoft.com/office/drawing/2014/main" id="{C8FCEA14-CD92-5582-EC2C-7CDDA08C75D2}"/>
               </a:ext>
             </a:extLst>
           </p:cNvPr>
@@ -1730,7 +1730,7 @@
           <p:cNvPr id="6" name="内容占位符 5">
             <a:extLst>
               <a:ext uri="{FF2B5EF4-FFF2-40B4-BE49-F238E27FC236}">
-                <a16:creationId xmlns:a16="http://schemas.microsoft.com/office/drawing/2014/main" id="{E128C8F8-FEB6-4438-4CA3-E43B2FAA7ED3}"/>
+                <a16:creationId xmlns:a16="http://schemas.microsoft.com/office/drawing/2014/main" id="{D511632A-2FAC-26FB-C7B2-D3B0DE1CDBDE}"/>
               </a:ext>
             </a:extLst>
           </p:cNvPr>
@@ -1792,7 +1792,7 @@
           <p:cNvPr id="7" name="日期占位符 6">
             <a:extLst>
               <a:ext uri="{FF2B5EF4-FFF2-40B4-BE49-F238E27FC236}">
-                <a16:creationId xmlns:a16="http://schemas.microsoft.com/office/drawing/2014/main" id="{DBE393AC-5E38-B91D-67CF-B37C74523AED}"/>
+                <a16:creationId xmlns:a16="http://schemas.microsoft.com/office/drawing/2014/main" id="{5789FC72-53B9-A42A-1BE1-4A17032F8C08}"/>
               </a:ext>
             </a:extLst>
           </p:cNvPr>
@@ -1808,7 +1808,7 @@
           <a:bodyPr/>
           <a:lstStyle/>
           <a:p>
-            <a:fld id="{EF4D6079-1375-4622-8558-7F53CFF76031}" type="datetimeFigureOut">
+            <a:fld id="{F60558BA-E49D-4883-8FD0-81B6417E672D}" type="datetimeFigureOut">
               <a:rPr lang="zh-CN" altLang="en-US" smtClean="0"/>
               <a:t>2024/3/10</a:t>
             </a:fld>
@@ -1821,7 +1821,7 @@
           <p:cNvPr id="8" name="页脚占位符 7">
             <a:extLst>
               <a:ext uri="{FF2B5EF4-FFF2-40B4-BE49-F238E27FC236}">
-                <a16:creationId xmlns:a16="http://schemas.microsoft.com/office/drawing/2014/main" id="{F54725C9-9BE6-BDAD-8BC1-E5050B40F90E}"/>
+                <a16:creationId xmlns:a16="http://schemas.microsoft.com/office/drawing/2014/main" id="{D796F0BB-F4EE-C65B-5DD8-5271CB7863AD}"/>
               </a:ext>
             </a:extLst>
           </p:cNvPr>
@@ -1846,7 +1846,7 @@
           <p:cNvPr id="9" name="灯片编号占位符 8">
             <a:extLst>
               <a:ext uri="{FF2B5EF4-FFF2-40B4-BE49-F238E27FC236}">
-                <a16:creationId xmlns:a16="http://schemas.microsoft.com/office/drawing/2014/main" id="{99277904-1999-C12A-7B63-E0FF23551479}"/>
+                <a16:creationId xmlns:a16="http://schemas.microsoft.com/office/drawing/2014/main" id="{F3FD147D-E137-06A1-1CB3-54D75437F8AD}"/>
               </a:ext>
             </a:extLst>
           </p:cNvPr>
@@ -1862,7 +1862,7 @@
           <a:bodyPr/>
           <a:lstStyle/>
           <a:p>
-            <a:fld id="{1A7B6229-C610-46A4-A088-EC96C71EE412}" type="slidenum">
+            <a:fld id="{487BAAC9-EC15-40AB-9419-55660F8AC2BE}" type="slidenum">
               <a:rPr lang="zh-CN" altLang="en-US" smtClean="0"/>
               <a:t>‹#›</a:t>
             </a:fld>
@@ -1873,7 +1873,7 @@
     </p:spTree>
     <p:extLst>
       <p:ext uri="{BB962C8B-B14F-4D97-AF65-F5344CB8AC3E}">
-        <p14:creationId xmlns:p14="http://schemas.microsoft.com/office/powerpoint/2010/main" val="2957989716"/>
+        <p14:creationId xmlns:p14="http://schemas.microsoft.com/office/powerpoint/2010/main" val="2329045962"/>
       </p:ext>
     </p:extLst>
   </p:cSld>
@@ -1905,7 +1905,7 @@
           <p:cNvPr id="2" name="标题 1">
             <a:extLst>
               <a:ext uri="{FF2B5EF4-FFF2-40B4-BE49-F238E27FC236}">
-                <a16:creationId xmlns:a16="http://schemas.microsoft.com/office/drawing/2014/main" id="{0C4AB341-E7EA-D6B2-A417-28329F940018}"/>
+                <a16:creationId xmlns:a16="http://schemas.microsoft.com/office/drawing/2014/main" id="{208A02A9-2A0B-7E81-E0B2-B9013DAE8D2D}"/>
               </a:ext>
             </a:extLst>
           </p:cNvPr>
@@ -1933,7 +1933,7 @@
           <p:cNvPr id="3" name="日期占位符 2">
             <a:extLst>
               <a:ext uri="{FF2B5EF4-FFF2-40B4-BE49-F238E27FC236}">
-                <a16:creationId xmlns:a16="http://schemas.microsoft.com/office/drawing/2014/main" id="{A8FE9F35-9575-D7F7-4008-9054D67ED52E}"/>
+                <a16:creationId xmlns:a16="http://schemas.microsoft.com/office/drawing/2014/main" id="{71B7B7E4-86EA-867D-E49A-9CF56395398C}"/>
               </a:ext>
             </a:extLst>
           </p:cNvPr>
@@ -1949,7 +1949,7 @@
           <a:bodyPr/>
           <a:lstStyle/>
           <a:p>
-            <a:fld id="{EF4D6079-1375-4622-8558-7F53CFF76031}" type="datetimeFigureOut">
+            <a:fld id="{F60558BA-E49D-4883-8FD0-81B6417E672D}" type="datetimeFigureOut">
               <a:rPr lang="zh-CN" altLang="en-US" smtClean="0"/>
               <a:t>2024/3/10</a:t>
             </a:fld>
@@ -1962,7 +1962,7 @@
           <p:cNvPr id="4" name="页脚占位符 3">
             <a:extLst>
               <a:ext uri="{FF2B5EF4-FFF2-40B4-BE49-F238E27FC236}">
-                <a16:creationId xmlns:a16="http://schemas.microsoft.com/office/drawing/2014/main" id="{74FA292D-73F8-CA7B-5D10-38205F786568}"/>
+                <a16:creationId xmlns:a16="http://schemas.microsoft.com/office/drawing/2014/main" id="{9CE3B615-3F48-91EA-2512-293906B8B411}"/>
               </a:ext>
             </a:extLst>
           </p:cNvPr>
@@ -1987,7 +1987,7 @@
           <p:cNvPr id="5" name="灯片编号占位符 4">
             <a:extLst>
               <a:ext uri="{FF2B5EF4-FFF2-40B4-BE49-F238E27FC236}">
-                <a16:creationId xmlns:a16="http://schemas.microsoft.com/office/drawing/2014/main" id="{C320BB8A-AF6A-C4F5-1049-539BA337601F}"/>
+                <a16:creationId xmlns:a16="http://schemas.microsoft.com/office/drawing/2014/main" id="{A8529E1D-7492-DE83-CF2D-A24AF7377470}"/>
               </a:ext>
             </a:extLst>
           </p:cNvPr>
@@ -2003,7 +2003,7 @@
           <a:bodyPr/>
           <a:lstStyle/>
           <a:p>
-            <a:fld id="{1A7B6229-C610-46A4-A088-EC96C71EE412}" type="slidenum">
+            <a:fld id="{487BAAC9-EC15-40AB-9419-55660F8AC2BE}" type="slidenum">
               <a:rPr lang="zh-CN" altLang="en-US" smtClean="0"/>
               <a:t>‹#›</a:t>
             </a:fld>
@@ -2014,7 +2014,7 @@
     </p:spTree>
     <p:extLst>
       <p:ext uri="{BB962C8B-B14F-4D97-AF65-F5344CB8AC3E}">
-        <p14:creationId xmlns:p14="http://schemas.microsoft.com/office/powerpoint/2010/main" val="626560686"/>
+        <p14:creationId xmlns:p14="http://schemas.microsoft.com/office/powerpoint/2010/main" val="680238854"/>
       </p:ext>
     </p:extLst>
   </p:cSld>
@@ -2046,7 +2046,7 @@
           <p:cNvPr id="2" name="日期占位符 1">
             <a:extLst>
               <a:ext uri="{FF2B5EF4-FFF2-40B4-BE49-F238E27FC236}">
-                <a16:creationId xmlns:a16="http://schemas.microsoft.com/office/drawing/2014/main" id="{0CD0EDF2-975A-3539-DA86-C1D4109F0C9B}"/>
+                <a16:creationId xmlns:a16="http://schemas.microsoft.com/office/drawing/2014/main" id="{C4E65954-1FFB-F461-EF48-AEF4434522AE}"/>
               </a:ext>
             </a:extLst>
           </p:cNvPr>
@@ -2062,7 +2062,7 @@
           <a:bodyPr/>
           <a:lstStyle/>
           <a:p>
-            <a:fld id="{EF4D6079-1375-4622-8558-7F53CFF76031}" type="datetimeFigureOut">
+            <a:fld id="{F60558BA-E49D-4883-8FD0-81B6417E672D}" type="datetimeFigureOut">
               <a:rPr lang="zh-CN" altLang="en-US" smtClean="0"/>
               <a:t>2024/3/10</a:t>
             </a:fld>
@@ -2075,7 +2075,7 @@
           <p:cNvPr id="3" name="页脚占位符 2">
             <a:extLst>
               <a:ext uri="{FF2B5EF4-FFF2-40B4-BE49-F238E27FC236}">
-                <a16:creationId xmlns:a16="http://schemas.microsoft.com/office/drawing/2014/main" id="{5EC3A7F8-A9DB-519A-8BE6-ECA108E13229}"/>
+                <a16:creationId xmlns:a16="http://schemas.microsoft.com/office/drawing/2014/main" id="{1C0D90C3-C5AC-7814-9463-BA1A8809E5A8}"/>
               </a:ext>
             </a:extLst>
           </p:cNvPr>
@@ -2100,7 +2100,7 @@
           <p:cNvPr id="4" name="灯片编号占位符 3">
             <a:extLst>
               <a:ext uri="{FF2B5EF4-FFF2-40B4-BE49-F238E27FC236}">
-                <a16:creationId xmlns:a16="http://schemas.microsoft.com/office/drawing/2014/main" id="{279CA186-E180-0ED1-2ABF-4160ADE07A14}"/>
+                <a16:creationId xmlns:a16="http://schemas.microsoft.com/office/drawing/2014/main" id="{EA6C83F5-6078-C93F-0664-A2D6FE6B2F4B}"/>
               </a:ext>
             </a:extLst>
           </p:cNvPr>
@@ -2116,7 +2116,7 @@
           <a:bodyPr/>
           <a:lstStyle/>
           <a:p>
-            <a:fld id="{1A7B6229-C610-46A4-A088-EC96C71EE412}" type="slidenum">
+            <a:fld id="{487BAAC9-EC15-40AB-9419-55660F8AC2BE}" type="slidenum">
               <a:rPr lang="zh-CN" altLang="en-US" smtClean="0"/>
               <a:t>‹#›</a:t>
             </a:fld>
@@ -2127,7 +2127,7 @@
     </p:spTree>
     <p:extLst>
       <p:ext uri="{BB962C8B-B14F-4D97-AF65-F5344CB8AC3E}">
-        <p14:creationId xmlns:p14="http://schemas.microsoft.com/office/powerpoint/2010/main" val="1594869399"/>
+        <p14:creationId xmlns:p14="http://schemas.microsoft.com/office/powerpoint/2010/main" val="3727525491"/>
       </p:ext>
     </p:extLst>
   </p:cSld>
@@ -2159,7 +2159,7 @@
           <p:cNvPr id="2" name="标题 1">
             <a:extLst>
               <a:ext uri="{FF2B5EF4-FFF2-40B4-BE49-F238E27FC236}">
-                <a16:creationId xmlns:a16="http://schemas.microsoft.com/office/drawing/2014/main" id="{AD557C94-4277-40C2-50FF-FB019FAB7279}"/>
+                <a16:creationId xmlns:a16="http://schemas.microsoft.com/office/drawing/2014/main" id="{B21F64FC-97B4-2265-38FD-4BA7924E9760}"/>
               </a:ext>
             </a:extLst>
           </p:cNvPr>
@@ -2196,7 +2196,7 @@
           <p:cNvPr id="3" name="内容占位符 2">
             <a:extLst>
               <a:ext uri="{FF2B5EF4-FFF2-40B4-BE49-F238E27FC236}">
-                <a16:creationId xmlns:a16="http://schemas.microsoft.com/office/drawing/2014/main" id="{CC8AE019-B144-4B3E-0572-78F44C3AB7D2}"/>
+                <a16:creationId xmlns:a16="http://schemas.microsoft.com/office/drawing/2014/main" id="{51256F38-EC78-F22D-69EE-CB9EF35A8612}"/>
               </a:ext>
             </a:extLst>
           </p:cNvPr>
@@ -2286,7 +2286,7 @@
           <p:cNvPr id="4" name="文本占位符 3">
             <a:extLst>
               <a:ext uri="{FF2B5EF4-FFF2-40B4-BE49-F238E27FC236}">
-                <a16:creationId xmlns:a16="http://schemas.microsoft.com/office/drawing/2014/main" id="{76B402B3-4E44-4B89-25AE-40B1EA72B5C6}"/>
+                <a16:creationId xmlns:a16="http://schemas.microsoft.com/office/drawing/2014/main" id="{6462C74C-9850-41F6-ACC3-030BED2F5606}"/>
               </a:ext>
             </a:extLst>
           </p:cNvPr>
@@ -2357,7 +2357,7 @@
           <p:cNvPr id="5" name="日期占位符 4">
             <a:extLst>
               <a:ext uri="{FF2B5EF4-FFF2-40B4-BE49-F238E27FC236}">
-                <a16:creationId xmlns:a16="http://schemas.microsoft.com/office/drawing/2014/main" id="{4F43968F-23F0-6095-B76A-29F1A9A771E0}"/>
+                <a16:creationId xmlns:a16="http://schemas.microsoft.com/office/drawing/2014/main" id="{A3977425-2AD6-CFD0-6207-7B82B0AED649}"/>
               </a:ext>
             </a:extLst>
           </p:cNvPr>
@@ -2373,7 +2373,7 @@
           <a:bodyPr/>
           <a:lstStyle/>
           <a:p>
-            <a:fld id="{EF4D6079-1375-4622-8558-7F53CFF76031}" type="datetimeFigureOut">
+            <a:fld id="{F60558BA-E49D-4883-8FD0-81B6417E672D}" type="datetimeFigureOut">
               <a:rPr lang="zh-CN" altLang="en-US" smtClean="0"/>
               <a:t>2024/3/10</a:t>
             </a:fld>
@@ -2386,7 +2386,7 @@
           <p:cNvPr id="6" name="页脚占位符 5">
             <a:extLst>
               <a:ext uri="{FF2B5EF4-FFF2-40B4-BE49-F238E27FC236}">
-                <a16:creationId xmlns:a16="http://schemas.microsoft.com/office/drawing/2014/main" id="{69D636C9-BB8A-456E-F8EF-96613BFA1E80}"/>
+                <a16:creationId xmlns:a16="http://schemas.microsoft.com/office/drawing/2014/main" id="{4E74AF3E-993C-D625-5966-56CBFFD8657E}"/>
               </a:ext>
             </a:extLst>
           </p:cNvPr>
@@ -2411,7 +2411,7 @@
           <p:cNvPr id="7" name="灯片编号占位符 6">
             <a:extLst>
               <a:ext uri="{FF2B5EF4-FFF2-40B4-BE49-F238E27FC236}">
-                <a16:creationId xmlns:a16="http://schemas.microsoft.com/office/drawing/2014/main" id="{CAD17C27-23E0-FE81-E460-13297DCFDE9D}"/>
+                <a16:creationId xmlns:a16="http://schemas.microsoft.com/office/drawing/2014/main" id="{984B3A68-BB9C-45FB-5366-D1707C21BFB3}"/>
               </a:ext>
             </a:extLst>
           </p:cNvPr>
@@ -2427,7 +2427,7 @@
           <a:bodyPr/>
           <a:lstStyle/>
           <a:p>
-            <a:fld id="{1A7B6229-C610-46A4-A088-EC96C71EE412}" type="slidenum">
+            <a:fld id="{487BAAC9-EC15-40AB-9419-55660F8AC2BE}" type="slidenum">
               <a:rPr lang="zh-CN" altLang="en-US" smtClean="0"/>
               <a:t>‹#›</a:t>
             </a:fld>
@@ -2438,7 +2438,7 @@
     </p:spTree>
     <p:extLst>
       <p:ext uri="{BB962C8B-B14F-4D97-AF65-F5344CB8AC3E}">
-        <p14:creationId xmlns:p14="http://schemas.microsoft.com/office/powerpoint/2010/main" val="3237824981"/>
+        <p14:creationId xmlns:p14="http://schemas.microsoft.com/office/powerpoint/2010/main" val="2279598499"/>
       </p:ext>
     </p:extLst>
   </p:cSld>
@@ -2470,7 +2470,7 @@
           <p:cNvPr id="2" name="标题 1">
             <a:extLst>
               <a:ext uri="{FF2B5EF4-FFF2-40B4-BE49-F238E27FC236}">
-                <a16:creationId xmlns:a16="http://schemas.microsoft.com/office/drawing/2014/main" id="{0906569B-B015-6CFF-DC65-6086E26CAE0F}"/>
+                <a16:creationId xmlns:a16="http://schemas.microsoft.com/office/drawing/2014/main" id="{4CC0FB0D-D17C-E32B-C6E4-568046DC62B4}"/>
               </a:ext>
             </a:extLst>
           </p:cNvPr>
@@ -2507,7 +2507,7 @@
           <p:cNvPr id="3" name="图片占位符 2">
             <a:extLst>
               <a:ext uri="{FF2B5EF4-FFF2-40B4-BE49-F238E27FC236}">
-                <a16:creationId xmlns:a16="http://schemas.microsoft.com/office/drawing/2014/main" id="{AACD019D-051D-A76D-2044-DA127FCDD4A1}"/>
+                <a16:creationId xmlns:a16="http://schemas.microsoft.com/office/drawing/2014/main" id="{996853E6-8D97-A35E-9686-D23F1ED934DF}"/>
               </a:ext>
             </a:extLst>
           </p:cNvPr>
@@ -2574,7 +2574,7 @@
           <p:cNvPr id="4" name="文本占位符 3">
             <a:extLst>
               <a:ext uri="{FF2B5EF4-FFF2-40B4-BE49-F238E27FC236}">
-                <a16:creationId xmlns:a16="http://schemas.microsoft.com/office/drawing/2014/main" id="{2C7D3D50-E5DF-F600-268B-E9F4896CEAD1}"/>
+                <a16:creationId xmlns:a16="http://schemas.microsoft.com/office/drawing/2014/main" id="{E200D1B6-E6F5-3E86-58AE-279AF7AD1F9B}"/>
               </a:ext>
             </a:extLst>
           </p:cNvPr>
@@ -2645,7 +2645,7 @@
           <p:cNvPr id="5" name="日期占位符 4">
             <a:extLst>
               <a:ext uri="{FF2B5EF4-FFF2-40B4-BE49-F238E27FC236}">
-                <a16:creationId xmlns:a16="http://schemas.microsoft.com/office/drawing/2014/main" id="{3A24D7B7-6927-0703-5C80-9D572F6C1C6C}"/>
+                <a16:creationId xmlns:a16="http://schemas.microsoft.com/office/drawing/2014/main" id="{B20052EC-457B-B974-B6C5-AD3D4E0580EC}"/>
               </a:ext>
             </a:extLst>
           </p:cNvPr>
@@ -2661,7 +2661,7 @@
           <a:bodyPr/>
           <a:lstStyle/>
           <a:p>
-            <a:fld id="{EF4D6079-1375-4622-8558-7F53CFF76031}" type="datetimeFigureOut">
+            <a:fld id="{F60558BA-E49D-4883-8FD0-81B6417E672D}" type="datetimeFigureOut">
               <a:rPr lang="zh-CN" altLang="en-US" smtClean="0"/>
               <a:t>2024/3/10</a:t>
             </a:fld>
@@ -2674,7 +2674,7 @@
           <p:cNvPr id="6" name="页脚占位符 5">
             <a:extLst>
               <a:ext uri="{FF2B5EF4-FFF2-40B4-BE49-F238E27FC236}">
-                <a16:creationId xmlns:a16="http://schemas.microsoft.com/office/drawing/2014/main" id="{2E43B2DB-E2A3-7809-4AB8-064F26544D81}"/>
+                <a16:creationId xmlns:a16="http://schemas.microsoft.com/office/drawing/2014/main" id="{63A517E8-D209-5BC8-90B0-4FE386CE3DAC}"/>
               </a:ext>
             </a:extLst>
           </p:cNvPr>
@@ -2699,7 +2699,7 @@
           <p:cNvPr id="7" name="灯片编号占位符 6">
             <a:extLst>
               <a:ext uri="{FF2B5EF4-FFF2-40B4-BE49-F238E27FC236}">
-                <a16:creationId xmlns:a16="http://schemas.microsoft.com/office/drawing/2014/main" id="{C152F317-218E-6439-3EF1-3668D90FC5CB}"/>
+                <a16:creationId xmlns:a16="http://schemas.microsoft.com/office/drawing/2014/main" id="{7415D134-CFC6-4E1C-3909-185790897975}"/>
               </a:ext>
             </a:extLst>
           </p:cNvPr>
@@ -2715,7 +2715,7 @@
           <a:bodyPr/>
           <a:lstStyle/>
           <a:p>
-            <a:fld id="{1A7B6229-C610-46A4-A088-EC96C71EE412}" type="slidenum">
+            <a:fld id="{487BAAC9-EC15-40AB-9419-55660F8AC2BE}" type="slidenum">
               <a:rPr lang="zh-CN" altLang="en-US" smtClean="0"/>
               <a:t>‹#›</a:t>
             </a:fld>
@@ -2726,7 +2726,7 @@
     </p:spTree>
     <p:extLst>
       <p:ext uri="{BB962C8B-B14F-4D97-AF65-F5344CB8AC3E}">
-        <p14:creationId xmlns:p14="http://schemas.microsoft.com/office/powerpoint/2010/main" val="724451374"/>
+        <p14:creationId xmlns:p14="http://schemas.microsoft.com/office/powerpoint/2010/main" val="2344108880"/>
       </p:ext>
     </p:extLst>
   </p:cSld>
@@ -2763,7 +2763,7 @@
           <p:cNvPr id="2" name="标题占位符 1">
             <a:extLst>
               <a:ext uri="{FF2B5EF4-FFF2-40B4-BE49-F238E27FC236}">
-                <a16:creationId xmlns:a16="http://schemas.microsoft.com/office/drawing/2014/main" id="{E67EA7F7-A6EA-FB50-0619-00CE2534D03B}"/>
+                <a16:creationId xmlns:a16="http://schemas.microsoft.com/office/drawing/2014/main" id="{5142EDE4-2B84-7F24-CBDD-7372955AE65F}"/>
               </a:ext>
             </a:extLst>
           </p:cNvPr>
@@ -2801,7 +2801,7 @@
           <p:cNvPr id="3" name="文本占位符 2">
             <a:extLst>
               <a:ext uri="{FF2B5EF4-FFF2-40B4-BE49-F238E27FC236}">
-                <a16:creationId xmlns:a16="http://schemas.microsoft.com/office/drawing/2014/main" id="{FF0327D0-10CE-25A2-FF89-8D0D4AC0EB1A}"/>
+                <a16:creationId xmlns:a16="http://schemas.microsoft.com/office/drawing/2014/main" id="{2F4CAB04-9F89-2EDC-1818-BCFF7220932B}"/>
               </a:ext>
             </a:extLst>
           </p:cNvPr>
@@ -2868,7 +2868,7 @@
           <p:cNvPr id="4" name="日期占位符 3">
             <a:extLst>
               <a:ext uri="{FF2B5EF4-FFF2-40B4-BE49-F238E27FC236}">
-                <a16:creationId xmlns:a16="http://schemas.microsoft.com/office/drawing/2014/main" id="{67A66A3D-0B01-F344-AE6D-BA9236F7BBAB}"/>
+                <a16:creationId xmlns:a16="http://schemas.microsoft.com/office/drawing/2014/main" id="{C164F629-E373-543E-980C-6C3261F0CD36}"/>
               </a:ext>
             </a:extLst>
           </p:cNvPr>
@@ -2902,7 +2902,7 @@
             </a:lvl1pPr>
           </a:lstStyle>
           <a:p>
-            <a:fld id="{EF4D6079-1375-4622-8558-7F53CFF76031}" type="datetimeFigureOut">
+            <a:fld id="{F60558BA-E49D-4883-8FD0-81B6417E672D}" type="datetimeFigureOut">
               <a:rPr lang="zh-CN" altLang="en-US" smtClean="0"/>
               <a:t>2024/3/10</a:t>
             </a:fld>
@@ -2915,7 +2915,7 @@
           <p:cNvPr id="5" name="页脚占位符 4">
             <a:extLst>
               <a:ext uri="{FF2B5EF4-FFF2-40B4-BE49-F238E27FC236}">
-                <a16:creationId xmlns:a16="http://schemas.microsoft.com/office/drawing/2014/main" id="{C3FF9FD2-AE3F-F470-3442-EC24C10B0CA1}"/>
+                <a16:creationId xmlns:a16="http://schemas.microsoft.com/office/drawing/2014/main" id="{CB298202-05B0-5B26-C31A-E0355844299B}"/>
               </a:ext>
             </a:extLst>
           </p:cNvPr>
@@ -2958,7 +2958,7 @@
           <p:cNvPr id="6" name="灯片编号占位符 5">
             <a:extLst>
               <a:ext uri="{FF2B5EF4-FFF2-40B4-BE49-F238E27FC236}">
-                <a16:creationId xmlns:a16="http://schemas.microsoft.com/office/drawing/2014/main" id="{EAA72FEF-28FF-8F84-BE42-04D6E602C6A0}"/>
+                <a16:creationId xmlns:a16="http://schemas.microsoft.com/office/drawing/2014/main" id="{87502766-0AEC-70B5-553E-F015E95D6621}"/>
               </a:ext>
             </a:extLst>
           </p:cNvPr>
@@ -2992,7 +2992,7 @@
             </a:lvl1pPr>
           </a:lstStyle>
           <a:p>
-            <a:fld id="{1A7B6229-C610-46A4-A088-EC96C71EE412}" type="slidenum">
+            <a:fld id="{487BAAC9-EC15-40AB-9419-55660F8AC2BE}" type="slidenum">
               <a:rPr lang="zh-CN" altLang="en-US" smtClean="0"/>
               <a:t>‹#›</a:t>
             </a:fld>
@@ -3003,7 +3003,7 @@
     </p:spTree>
     <p:extLst>
       <p:ext uri="{BB962C8B-B14F-4D97-AF65-F5344CB8AC3E}">
-        <p14:creationId xmlns:p14="http://schemas.microsoft.com/office/powerpoint/2010/main" val="3222380257"/>
+        <p14:creationId xmlns:p14="http://schemas.microsoft.com/office/powerpoint/2010/main" val="1962853061"/>
       </p:ext>
     </p:extLst>
   </p:cSld>
